--- a/Chap/Prog01/Presentations/Functions.pptx
+++ b/Chap/Prog01/Presentations/Functions.pptx
@@ -251,7 +251,7 @@
           <a:p>
             <a:fld id="{E15B7D8E-2A20-4C0E-991C-872DBB7459A8}" type="datetimeFigureOut">
               <a:rPr lang="da-DK" smtClean="0"/>
-              <a:t>11-08-2022</a:t>
+              <a:t>24-08-2024</a:t>
             </a:fld>
             <a:endParaRPr lang="da-DK"/>
           </a:p>
@@ -419,7 +419,7 @@
           <a:p>
             <a:fld id="{E15B7D8E-2A20-4C0E-991C-872DBB7459A8}" type="datetimeFigureOut">
               <a:rPr lang="da-DK" smtClean="0"/>
-              <a:t>11-08-2022</a:t>
+              <a:t>24-08-2024</a:t>
             </a:fld>
             <a:endParaRPr lang="da-DK"/>
           </a:p>
@@ -597,7 +597,7 @@
           <a:p>
             <a:fld id="{E15B7D8E-2A20-4C0E-991C-872DBB7459A8}" type="datetimeFigureOut">
               <a:rPr lang="da-DK" smtClean="0"/>
-              <a:t>11-08-2022</a:t>
+              <a:t>24-08-2024</a:t>
             </a:fld>
             <a:endParaRPr lang="da-DK"/>
           </a:p>
@@ -765,7 +765,7 @@
           <a:p>
             <a:fld id="{E15B7D8E-2A20-4C0E-991C-872DBB7459A8}" type="datetimeFigureOut">
               <a:rPr lang="da-DK" smtClean="0"/>
-              <a:t>11-08-2022</a:t>
+              <a:t>24-08-2024</a:t>
             </a:fld>
             <a:endParaRPr lang="da-DK"/>
           </a:p>
@@ -1010,7 +1010,7 @@
           <a:p>
             <a:fld id="{E15B7D8E-2A20-4C0E-991C-872DBB7459A8}" type="datetimeFigureOut">
               <a:rPr lang="da-DK" smtClean="0"/>
-              <a:t>11-08-2022</a:t>
+              <a:t>24-08-2024</a:t>
             </a:fld>
             <a:endParaRPr lang="da-DK"/>
           </a:p>
@@ -1239,7 +1239,7 @@
           <a:p>
             <a:fld id="{E15B7D8E-2A20-4C0E-991C-872DBB7459A8}" type="datetimeFigureOut">
               <a:rPr lang="da-DK" smtClean="0"/>
-              <a:t>11-08-2022</a:t>
+              <a:t>24-08-2024</a:t>
             </a:fld>
             <a:endParaRPr lang="da-DK"/>
           </a:p>
@@ -1603,7 +1603,7 @@
           <a:p>
             <a:fld id="{E15B7D8E-2A20-4C0E-991C-872DBB7459A8}" type="datetimeFigureOut">
               <a:rPr lang="da-DK" smtClean="0"/>
-              <a:t>11-08-2022</a:t>
+              <a:t>24-08-2024</a:t>
             </a:fld>
             <a:endParaRPr lang="da-DK"/>
           </a:p>
@@ -1720,7 +1720,7 @@
           <a:p>
             <a:fld id="{E15B7D8E-2A20-4C0E-991C-872DBB7459A8}" type="datetimeFigureOut">
               <a:rPr lang="da-DK" smtClean="0"/>
-              <a:t>11-08-2022</a:t>
+              <a:t>24-08-2024</a:t>
             </a:fld>
             <a:endParaRPr lang="da-DK"/>
           </a:p>
@@ -1815,7 +1815,7 @@
           <a:p>
             <a:fld id="{E15B7D8E-2A20-4C0E-991C-872DBB7459A8}" type="datetimeFigureOut">
               <a:rPr lang="da-DK" smtClean="0"/>
-              <a:t>11-08-2022</a:t>
+              <a:t>24-08-2024</a:t>
             </a:fld>
             <a:endParaRPr lang="da-DK"/>
           </a:p>
@@ -2090,7 +2090,7 @@
           <a:p>
             <a:fld id="{E15B7D8E-2A20-4C0E-991C-872DBB7459A8}" type="datetimeFigureOut">
               <a:rPr lang="da-DK" smtClean="0"/>
-              <a:t>11-08-2022</a:t>
+              <a:t>24-08-2024</a:t>
             </a:fld>
             <a:endParaRPr lang="da-DK"/>
           </a:p>
@@ -2342,7 +2342,7 @@
           <a:p>
             <a:fld id="{E15B7D8E-2A20-4C0E-991C-872DBB7459A8}" type="datetimeFigureOut">
               <a:rPr lang="da-DK" smtClean="0"/>
-              <a:t>11-08-2022</a:t>
+              <a:t>24-08-2024</a:t>
             </a:fld>
             <a:endParaRPr lang="da-DK"/>
           </a:p>
@@ -2553,7 +2553,7 @@
           <a:p>
             <a:fld id="{E15B7D8E-2A20-4C0E-991C-872DBB7459A8}" type="datetimeFigureOut">
               <a:rPr lang="da-DK" smtClean="0"/>
-              <a:t>11-08-2022</a:t>
+              <a:t>24-08-2024</a:t>
             </a:fld>
             <a:endParaRPr lang="da-DK"/>
           </a:p>
@@ -3150,6 +3150,18 @@
   <p:clrMapOvr>
     <a:masterClrMapping/>
   </p:clrMapOvr>
+  <mc:AlternateContent xmlns:mc="http://schemas.openxmlformats.org/markup-compatibility/2006">
+    <mc:Choice xmlns:p14="http://schemas.microsoft.com/office/powerpoint/2010/main" Requires="p14">
+      <p:transition spd="med" p14:dur="700">
+        <p:fade/>
+      </p:transition>
+    </mc:Choice>
+    <mc:Fallback>
+      <p:transition spd="med">
+        <p:fade/>
+      </p:transition>
+    </mc:Fallback>
+  </mc:AlternateContent>
 </p:sld>
 </file>
 
@@ -3330,6 +3342,18 @@
   <p:clrMapOvr>
     <a:masterClrMapping/>
   </p:clrMapOvr>
+  <mc:AlternateContent xmlns:mc="http://schemas.openxmlformats.org/markup-compatibility/2006">
+    <mc:Choice xmlns:p14="http://schemas.microsoft.com/office/powerpoint/2010/main" Requires="p14">
+      <p:transition spd="med" p14:dur="700">
+        <p:fade/>
+      </p:transition>
+    </mc:Choice>
+    <mc:Fallback>
+      <p:transition spd="med">
+        <p:fade/>
+      </p:transition>
+    </mc:Fallback>
+  </mc:AlternateContent>
 </p:sld>
 </file>
 
@@ -3451,6 +3475,53 @@
           </a:p>
         </p:txBody>
       </p:sp>
+      <p:pic>
+        <p:nvPicPr>
+          <p:cNvPr id="2" name="Picture 2" descr="Billedresultat for cylinder volume formula">
+            <a:extLst>
+              <a:ext uri="{FF2B5EF4-FFF2-40B4-BE49-F238E27FC236}">
+                <a16:creationId xmlns:a16="http://schemas.microsoft.com/office/drawing/2014/main" id="{7CF7EFF9-E8A7-248F-00F2-886A0E9C83A2}"/>
+              </a:ext>
+            </a:extLst>
+          </p:cNvPr>
+          <p:cNvPicPr>
+            <a:picLocks noChangeAspect="1" noChangeArrowheads="1"/>
+          </p:cNvPicPr>
+          <p:nvPr/>
+        </p:nvPicPr>
+        <p:blipFill>
+          <a:blip r:embed="rId2">
+            <a:extLst>
+              <a:ext uri="{28A0092B-C50C-407E-A947-70E740481C1C}">
+                <a14:useLocalDpi xmlns:a14="http://schemas.microsoft.com/office/drawing/2010/main" val="0"/>
+              </a:ext>
+            </a:extLst>
+          </a:blip>
+          <a:srcRect/>
+          <a:stretch>
+            <a:fillRect/>
+          </a:stretch>
+        </p:blipFill>
+        <p:spPr bwMode="auto">
+          <a:xfrm>
+            <a:off x="7117976" y="3934861"/>
+            <a:ext cx="4330821" cy="2096616"/>
+          </a:xfrm>
+          <a:prstGeom prst="rect">
+            <a:avLst/>
+          </a:prstGeom>
+          <a:noFill/>
+          <a:extLst>
+            <a:ext uri="{909E8E84-426E-40DD-AFC4-6F175D3DCCD1}">
+              <a14:hiddenFill xmlns:a14="http://schemas.microsoft.com/office/drawing/2010/main">
+                <a:solidFill>
+                  <a:srgbClr val="FFFFFF"/>
+                </a:solidFill>
+              </a14:hiddenFill>
+            </a:ext>
+          </a:extLst>
+        </p:spPr>
+      </p:pic>
     </p:spTree>
     <p:extLst>
       <p:ext uri="{BB962C8B-B14F-4D97-AF65-F5344CB8AC3E}">
@@ -3461,6 +3532,18 @@
   <p:clrMapOvr>
     <a:masterClrMapping/>
   </p:clrMapOvr>
+  <mc:AlternateContent xmlns:mc="http://schemas.openxmlformats.org/markup-compatibility/2006">
+    <mc:Choice xmlns:p14="http://schemas.microsoft.com/office/powerpoint/2010/main" Requires="p14">
+      <p:transition spd="med" p14:dur="700">
+        <p:fade/>
+      </p:transition>
+    </mc:Choice>
+    <mc:Fallback>
+      <p:transition spd="med">
+        <p:fade/>
+      </p:transition>
+    </mc:Fallback>
+  </mc:AlternateContent>
 </p:sld>
 </file>
 
